--- a/Веб технологии/Vtor cas/Веб технологии 2.pptx
+++ b/Веб технологии/Vtor cas/Веб технологии 2.pptx
@@ -239,7 +239,7 @@
           <a:p>
             <a:fld id="{4673F242-D0AA-4BF8-8173-9E0DB93899B4}" type="datetimeFigureOut">
               <a:rPr lang="mk-MK" smtClean="0"/>
-              <a:t>04.7.2023</a:t>
+              <a:t>03.4.2024</a:t>
             </a:fld>
             <a:endParaRPr lang="mk-MK"/>
           </a:p>
@@ -723,7 +723,7 @@
             <a:fld id="{1D8BD707-D9CF-40AE-B4C6-C98DA3205C09}" type="datetimeFigureOut">
               <a:rPr lang="en-US" smtClean="0"/>
               <a:pPr/>
-              <a:t>04-Jul-23</a:t>
+              <a:t>4/3/2024</a:t>
             </a:fld>
             <a:endParaRPr lang="en-US"/>
           </a:p>
@@ -895,7 +895,7 @@
             <a:fld id="{1D8BD707-D9CF-40AE-B4C6-C98DA3205C09}" type="datetimeFigureOut">
               <a:rPr lang="en-US" smtClean="0"/>
               <a:pPr/>
-              <a:t>04-Jul-23</a:t>
+              <a:t>4/3/2024</a:t>
             </a:fld>
             <a:endParaRPr lang="en-US"/>
           </a:p>
@@ -1077,7 +1077,7 @@
             <a:fld id="{1D8BD707-D9CF-40AE-B4C6-C98DA3205C09}" type="datetimeFigureOut">
               <a:rPr lang="en-US" smtClean="0"/>
               <a:pPr/>
-              <a:t>04-Jul-23</a:t>
+              <a:t>4/3/2024</a:t>
             </a:fld>
             <a:endParaRPr lang="en-US"/>
           </a:p>
@@ -1249,7 +1249,7 @@
             <a:fld id="{1D8BD707-D9CF-40AE-B4C6-C98DA3205C09}" type="datetimeFigureOut">
               <a:rPr lang="en-US" smtClean="0"/>
               <a:pPr/>
-              <a:t>04-Jul-23</a:t>
+              <a:t>4/3/2024</a:t>
             </a:fld>
             <a:endParaRPr lang="en-US"/>
           </a:p>
@@ -1497,7 +1497,7 @@
             <a:fld id="{1D8BD707-D9CF-40AE-B4C6-C98DA3205C09}" type="datetimeFigureOut">
               <a:rPr lang="en-US" smtClean="0"/>
               <a:pPr/>
-              <a:t>04-Jul-23</a:t>
+              <a:t>4/3/2024</a:t>
             </a:fld>
             <a:endParaRPr lang="en-US"/>
           </a:p>
@@ -1731,7 +1731,7 @@
             <a:fld id="{1D8BD707-D9CF-40AE-B4C6-C98DA3205C09}" type="datetimeFigureOut">
               <a:rPr lang="en-US" smtClean="0"/>
               <a:pPr/>
-              <a:t>04-Jul-23</a:t>
+              <a:t>4/3/2024</a:t>
             </a:fld>
             <a:endParaRPr lang="en-US"/>
           </a:p>
@@ -2100,7 +2100,7 @@
             <a:fld id="{1D8BD707-D9CF-40AE-B4C6-C98DA3205C09}" type="datetimeFigureOut">
               <a:rPr lang="en-US" smtClean="0"/>
               <a:pPr/>
-              <a:t>04-Jul-23</a:t>
+              <a:t>4/3/2024</a:t>
             </a:fld>
             <a:endParaRPr lang="en-US"/>
           </a:p>
@@ -2220,7 +2220,7 @@
             <a:fld id="{1D8BD707-D9CF-40AE-B4C6-C98DA3205C09}" type="datetimeFigureOut">
               <a:rPr lang="en-US" smtClean="0"/>
               <a:pPr/>
-              <a:t>04-Jul-23</a:t>
+              <a:t>4/3/2024</a:t>
             </a:fld>
             <a:endParaRPr lang="en-US"/>
           </a:p>
@@ -2317,7 +2317,7 @@
             <a:fld id="{1D8BD707-D9CF-40AE-B4C6-C98DA3205C09}" type="datetimeFigureOut">
               <a:rPr lang="en-US" smtClean="0"/>
               <a:pPr/>
-              <a:t>04-Jul-23</a:t>
+              <a:t>4/3/2024</a:t>
             </a:fld>
             <a:endParaRPr lang="en-US"/>
           </a:p>
@@ -2596,7 +2596,7 @@
             <a:fld id="{1D8BD707-D9CF-40AE-B4C6-C98DA3205C09}" type="datetimeFigureOut">
               <a:rPr lang="en-US" smtClean="0"/>
               <a:pPr/>
-              <a:t>04-Jul-23</a:t>
+              <a:t>4/3/2024</a:t>
             </a:fld>
             <a:endParaRPr lang="en-US"/>
           </a:p>
@@ -2851,7 +2851,7 @@
             <a:fld id="{1D8BD707-D9CF-40AE-B4C6-C98DA3205C09}" type="datetimeFigureOut">
               <a:rPr lang="en-US" smtClean="0"/>
               <a:pPr/>
-              <a:t>04-Jul-23</a:t>
+              <a:t>4/3/2024</a:t>
             </a:fld>
             <a:endParaRPr lang="en-US"/>
           </a:p>
@@ -3066,7 +3066,7 @@
             <a:fld id="{1D8BD707-D9CF-40AE-B4C6-C98DA3205C09}" type="datetimeFigureOut">
               <a:rPr lang="en-US" smtClean="0"/>
               <a:pPr/>
-              <a:t>04-Jul-23</a:t>
+              <a:t>4/3/2024</a:t>
             </a:fld>
             <a:endParaRPr lang="en-US"/>
           </a:p>
@@ -3692,15 +3692,7 @@
             </a:r>
             <a:r>
               <a:rPr lang="mk-MK" sz="2800" dirty="0" smtClean="0"/>
-              <a:t>Работи со 24 бита за пиксел, односно 16,7 милиони бои, </a:t>
-            </a:r>
-            <a:r>
-              <a:rPr lang="mk-MK" sz="2800" dirty="0" smtClean="0"/>
-              <a:t>овозможува </a:t>
-            </a:r>
-            <a:r>
-              <a:rPr lang="mk-MK" sz="2800" dirty="0" smtClean="0"/>
-              <a:t>и компримирање без губитоци, поддржува транспарентност и анимации.</a:t>
+              <a:t>Работи со 24 бита за пиксел, односно 16,7 милиони бои, овозможува и компримирање без губитоци, поддржува транспарентност и анимации.</a:t>
             </a:r>
           </a:p>
         </p:txBody>
